--- a/ppt 16-9/0562.主愿拯救.pptx
+++ b/ppt 16-9/0562.主愿拯救.pptx
@@ -5,7 +5,7 @@
     <p:sldMasterId id="2147483648" r:id="rId1"/>
   </p:sldMasterIdLst>
   <p:sldIdLst>
-    <p:sldId id="2317" r:id="rId2"/>
+    <p:sldId id="2318" r:id="rId2"/>
   </p:sldIdLst>
   <p:sldSz cx="12192000" cy="6858000"/>
   <p:notesSz cx="6858000" cy="9144000"/>
@@ -129,7 +129,7 @@
           <p:cNvPr id="2" name="标题 1">
             <a:extLst>
               <a:ext uri="{FF2B5EF4-FFF2-40B4-BE49-F238E27FC236}">
-                <a16:creationId xmlns:a16="http://schemas.microsoft.com/office/drawing/2014/main" id="{2C760640-C238-AE57-AF2F-169F206D4FCF}"/>
+                <a16:creationId xmlns:a16="http://schemas.microsoft.com/office/drawing/2014/main" id="{9C1A28F9-EFBB-F407-91FC-F51C8F6092D5}"/>
               </a:ext>
             </a:extLst>
           </p:cNvPr>
@@ -166,7 +166,7 @@
           <p:cNvPr id="3" name="副标题 2">
             <a:extLst>
               <a:ext uri="{FF2B5EF4-FFF2-40B4-BE49-F238E27FC236}">
-                <a16:creationId xmlns:a16="http://schemas.microsoft.com/office/drawing/2014/main" id="{EC7D7609-EFB4-B80C-6B9B-9FDCDFD20074}"/>
+                <a16:creationId xmlns:a16="http://schemas.microsoft.com/office/drawing/2014/main" id="{632EDBEB-89FF-C8A2-2C9F-DE3C9B590A57}"/>
               </a:ext>
             </a:extLst>
           </p:cNvPr>
@@ -236,7 +236,7 @@
           <p:cNvPr id="4" name="日期占位符 3">
             <a:extLst>
               <a:ext uri="{FF2B5EF4-FFF2-40B4-BE49-F238E27FC236}">
-                <a16:creationId xmlns:a16="http://schemas.microsoft.com/office/drawing/2014/main" id="{FBA09B84-2A9F-C331-84EA-3E576A7EF80F}"/>
+                <a16:creationId xmlns:a16="http://schemas.microsoft.com/office/drawing/2014/main" id="{4070D7D5-BA8E-DCD3-9A52-ADC2B17463CD}"/>
               </a:ext>
             </a:extLst>
           </p:cNvPr>
@@ -252,7 +252,7 @@
           <a:bodyPr/>
           <a:lstStyle/>
           <a:p>
-            <a:fld id="{37AD2360-8E52-4987-A175-ABE0CD98C59B}" type="datetimeFigureOut">
+            <a:fld id="{AF1DCAB0-177C-43E6-A881-26C61EA09E91}" type="datetimeFigureOut">
               <a:rPr lang="zh-CN" altLang="en-US" smtClean="0"/>
               <a:t>2024/3/10</a:t>
             </a:fld>
@@ -265,7 +265,7 @@
           <p:cNvPr id="5" name="页脚占位符 4">
             <a:extLst>
               <a:ext uri="{FF2B5EF4-FFF2-40B4-BE49-F238E27FC236}">
-                <a16:creationId xmlns:a16="http://schemas.microsoft.com/office/drawing/2014/main" id="{A0C9DCE0-80DD-0C54-9094-7DA75A6E0891}"/>
+                <a16:creationId xmlns:a16="http://schemas.microsoft.com/office/drawing/2014/main" id="{3382B731-6006-6530-5989-5E9E8BF504AE}"/>
               </a:ext>
             </a:extLst>
           </p:cNvPr>
@@ -290,7 +290,7 @@
           <p:cNvPr id="6" name="灯片编号占位符 5">
             <a:extLst>
               <a:ext uri="{FF2B5EF4-FFF2-40B4-BE49-F238E27FC236}">
-                <a16:creationId xmlns:a16="http://schemas.microsoft.com/office/drawing/2014/main" id="{71162D17-AC31-293C-A97C-76CE40DDB072}"/>
+                <a16:creationId xmlns:a16="http://schemas.microsoft.com/office/drawing/2014/main" id="{905CD9C7-67A3-3F71-BB7C-65F02EE63BFC}"/>
               </a:ext>
             </a:extLst>
           </p:cNvPr>
@@ -306,7 +306,7 @@
           <a:bodyPr/>
           <a:lstStyle/>
           <a:p>
-            <a:fld id="{E951856E-1055-46EA-89CA-691CFB15E604}" type="slidenum">
+            <a:fld id="{06E818A9-FFB2-4EA9-8A4E-6DC1AA9570E5}" type="slidenum">
               <a:rPr lang="zh-CN" altLang="en-US" smtClean="0"/>
               <a:t>‹#›</a:t>
             </a:fld>
@@ -317,7 +317,7 @@
     </p:spTree>
     <p:extLst>
       <p:ext uri="{BB962C8B-B14F-4D97-AF65-F5344CB8AC3E}">
-        <p14:creationId xmlns:p14="http://schemas.microsoft.com/office/powerpoint/2010/main" val="118440857"/>
+        <p14:creationId xmlns:p14="http://schemas.microsoft.com/office/powerpoint/2010/main" val="2056124363"/>
       </p:ext>
     </p:extLst>
   </p:cSld>
@@ -349,7 +349,7 @@
           <p:cNvPr id="2" name="标题 1">
             <a:extLst>
               <a:ext uri="{FF2B5EF4-FFF2-40B4-BE49-F238E27FC236}">
-                <a16:creationId xmlns:a16="http://schemas.microsoft.com/office/drawing/2014/main" id="{0134D3E2-4570-0341-28F2-30E67B323E68}"/>
+                <a16:creationId xmlns:a16="http://schemas.microsoft.com/office/drawing/2014/main" id="{00B1727E-10EF-0B44-02B5-74B0C075E614}"/>
               </a:ext>
             </a:extLst>
           </p:cNvPr>
@@ -377,7 +377,7 @@
           <p:cNvPr id="3" name="竖排文字占位符 2">
             <a:extLst>
               <a:ext uri="{FF2B5EF4-FFF2-40B4-BE49-F238E27FC236}">
-                <a16:creationId xmlns:a16="http://schemas.microsoft.com/office/drawing/2014/main" id="{4DF4630B-3A3F-9165-0E3D-94FD0998B820}"/>
+                <a16:creationId xmlns:a16="http://schemas.microsoft.com/office/drawing/2014/main" id="{E175E478-FF37-C10D-E07F-AFEEDE374871}"/>
               </a:ext>
             </a:extLst>
           </p:cNvPr>
@@ -434,7 +434,7 @@
           <p:cNvPr id="4" name="日期占位符 3">
             <a:extLst>
               <a:ext uri="{FF2B5EF4-FFF2-40B4-BE49-F238E27FC236}">
-                <a16:creationId xmlns:a16="http://schemas.microsoft.com/office/drawing/2014/main" id="{9429A318-E434-C4A3-97AD-5B14663CAEE0}"/>
+                <a16:creationId xmlns:a16="http://schemas.microsoft.com/office/drawing/2014/main" id="{73E2016F-A1B2-ED1E-5BA9-FB4578F266A9}"/>
               </a:ext>
             </a:extLst>
           </p:cNvPr>
@@ -450,7 +450,7 @@
           <a:bodyPr/>
           <a:lstStyle/>
           <a:p>
-            <a:fld id="{37AD2360-8E52-4987-A175-ABE0CD98C59B}" type="datetimeFigureOut">
+            <a:fld id="{AF1DCAB0-177C-43E6-A881-26C61EA09E91}" type="datetimeFigureOut">
               <a:rPr lang="zh-CN" altLang="en-US" smtClean="0"/>
               <a:t>2024/3/10</a:t>
             </a:fld>
@@ -463,7 +463,7 @@
           <p:cNvPr id="5" name="页脚占位符 4">
             <a:extLst>
               <a:ext uri="{FF2B5EF4-FFF2-40B4-BE49-F238E27FC236}">
-                <a16:creationId xmlns:a16="http://schemas.microsoft.com/office/drawing/2014/main" id="{78C94113-DABA-B370-7772-CE400E76B7AA}"/>
+                <a16:creationId xmlns:a16="http://schemas.microsoft.com/office/drawing/2014/main" id="{8B103CB6-E404-4709-9362-234F4E068383}"/>
               </a:ext>
             </a:extLst>
           </p:cNvPr>
@@ -488,7 +488,7 @@
           <p:cNvPr id="6" name="灯片编号占位符 5">
             <a:extLst>
               <a:ext uri="{FF2B5EF4-FFF2-40B4-BE49-F238E27FC236}">
-                <a16:creationId xmlns:a16="http://schemas.microsoft.com/office/drawing/2014/main" id="{1D698598-2BFC-3B65-C585-0438C947C04D}"/>
+                <a16:creationId xmlns:a16="http://schemas.microsoft.com/office/drawing/2014/main" id="{FCCAC07F-A88B-9D82-FCB5-51DC14B48E52}"/>
               </a:ext>
             </a:extLst>
           </p:cNvPr>
@@ -504,7 +504,7 @@
           <a:bodyPr/>
           <a:lstStyle/>
           <a:p>
-            <a:fld id="{E951856E-1055-46EA-89CA-691CFB15E604}" type="slidenum">
+            <a:fld id="{06E818A9-FFB2-4EA9-8A4E-6DC1AA9570E5}" type="slidenum">
               <a:rPr lang="zh-CN" altLang="en-US" smtClean="0"/>
               <a:t>‹#›</a:t>
             </a:fld>
@@ -515,7 +515,7 @@
     </p:spTree>
     <p:extLst>
       <p:ext uri="{BB962C8B-B14F-4D97-AF65-F5344CB8AC3E}">
-        <p14:creationId xmlns:p14="http://schemas.microsoft.com/office/powerpoint/2010/main" val="4256137216"/>
+        <p14:creationId xmlns:p14="http://schemas.microsoft.com/office/powerpoint/2010/main" val="1168341400"/>
       </p:ext>
     </p:extLst>
   </p:cSld>
@@ -547,7 +547,7 @@
           <p:cNvPr id="2" name="竖排标题 1">
             <a:extLst>
               <a:ext uri="{FF2B5EF4-FFF2-40B4-BE49-F238E27FC236}">
-                <a16:creationId xmlns:a16="http://schemas.microsoft.com/office/drawing/2014/main" id="{2CDD1780-339E-E938-BBED-788B5FB3B185}"/>
+                <a16:creationId xmlns:a16="http://schemas.microsoft.com/office/drawing/2014/main" id="{DE12DFB9-06C0-B80D-9B6B-2660A0879A19}"/>
               </a:ext>
             </a:extLst>
           </p:cNvPr>
@@ -580,7 +580,7 @@
           <p:cNvPr id="3" name="竖排文字占位符 2">
             <a:extLst>
               <a:ext uri="{FF2B5EF4-FFF2-40B4-BE49-F238E27FC236}">
-                <a16:creationId xmlns:a16="http://schemas.microsoft.com/office/drawing/2014/main" id="{E75C5076-93C2-DA2F-653A-03BC1B983862}"/>
+                <a16:creationId xmlns:a16="http://schemas.microsoft.com/office/drawing/2014/main" id="{FF793D65-94AA-33D3-626A-3D36C8D29C91}"/>
               </a:ext>
             </a:extLst>
           </p:cNvPr>
@@ -642,7 +642,7 @@
           <p:cNvPr id="4" name="日期占位符 3">
             <a:extLst>
               <a:ext uri="{FF2B5EF4-FFF2-40B4-BE49-F238E27FC236}">
-                <a16:creationId xmlns:a16="http://schemas.microsoft.com/office/drawing/2014/main" id="{2C16BA37-25A2-47AB-4FF9-D59BF65271A1}"/>
+                <a16:creationId xmlns:a16="http://schemas.microsoft.com/office/drawing/2014/main" id="{1FEF2CF7-159E-9E57-49E8-E0EBECE1FAD7}"/>
               </a:ext>
             </a:extLst>
           </p:cNvPr>
@@ -658,7 +658,7 @@
           <a:bodyPr/>
           <a:lstStyle/>
           <a:p>
-            <a:fld id="{37AD2360-8E52-4987-A175-ABE0CD98C59B}" type="datetimeFigureOut">
+            <a:fld id="{AF1DCAB0-177C-43E6-A881-26C61EA09E91}" type="datetimeFigureOut">
               <a:rPr lang="zh-CN" altLang="en-US" smtClean="0"/>
               <a:t>2024/3/10</a:t>
             </a:fld>
@@ -671,7 +671,7 @@
           <p:cNvPr id="5" name="页脚占位符 4">
             <a:extLst>
               <a:ext uri="{FF2B5EF4-FFF2-40B4-BE49-F238E27FC236}">
-                <a16:creationId xmlns:a16="http://schemas.microsoft.com/office/drawing/2014/main" id="{CDE76178-F247-8B93-21CE-09C42FCA7D59}"/>
+                <a16:creationId xmlns:a16="http://schemas.microsoft.com/office/drawing/2014/main" id="{0BD5E3EF-174E-FC07-8296-1ACFC31DA1C6}"/>
               </a:ext>
             </a:extLst>
           </p:cNvPr>
@@ -696,7 +696,7 @@
           <p:cNvPr id="6" name="灯片编号占位符 5">
             <a:extLst>
               <a:ext uri="{FF2B5EF4-FFF2-40B4-BE49-F238E27FC236}">
-                <a16:creationId xmlns:a16="http://schemas.microsoft.com/office/drawing/2014/main" id="{5C7A5C7E-D1CF-4EF5-E9D5-531EAA9BE7EE}"/>
+                <a16:creationId xmlns:a16="http://schemas.microsoft.com/office/drawing/2014/main" id="{A0B6A651-FDC9-CB1F-9E28-6E1F778F9E0F}"/>
               </a:ext>
             </a:extLst>
           </p:cNvPr>
@@ -712,7 +712,7 @@
           <a:bodyPr/>
           <a:lstStyle/>
           <a:p>
-            <a:fld id="{E951856E-1055-46EA-89CA-691CFB15E604}" type="slidenum">
+            <a:fld id="{06E818A9-FFB2-4EA9-8A4E-6DC1AA9570E5}" type="slidenum">
               <a:rPr lang="zh-CN" altLang="en-US" smtClean="0"/>
               <a:t>‹#›</a:t>
             </a:fld>
@@ -723,7 +723,7 @@
     </p:spTree>
     <p:extLst>
       <p:ext uri="{BB962C8B-B14F-4D97-AF65-F5344CB8AC3E}">
-        <p14:creationId xmlns:p14="http://schemas.microsoft.com/office/powerpoint/2010/main" val="3421046943"/>
+        <p14:creationId xmlns:p14="http://schemas.microsoft.com/office/powerpoint/2010/main" val="211847986"/>
       </p:ext>
     </p:extLst>
   </p:cSld>
@@ -755,7 +755,7 @@
           <p:cNvPr id="2" name="标题 1">
             <a:extLst>
               <a:ext uri="{FF2B5EF4-FFF2-40B4-BE49-F238E27FC236}">
-                <a16:creationId xmlns:a16="http://schemas.microsoft.com/office/drawing/2014/main" id="{624CF99D-A2CA-39C9-376C-DD7590C6E5E2}"/>
+                <a16:creationId xmlns:a16="http://schemas.microsoft.com/office/drawing/2014/main" id="{20CA6540-2330-5DAC-6A6A-316BAC5FA0C3}"/>
               </a:ext>
             </a:extLst>
           </p:cNvPr>
@@ -783,7 +783,7 @@
           <p:cNvPr id="3" name="内容占位符 2">
             <a:extLst>
               <a:ext uri="{FF2B5EF4-FFF2-40B4-BE49-F238E27FC236}">
-                <a16:creationId xmlns:a16="http://schemas.microsoft.com/office/drawing/2014/main" id="{9D02B201-B108-0FEC-17E9-B424F6439921}"/>
+                <a16:creationId xmlns:a16="http://schemas.microsoft.com/office/drawing/2014/main" id="{587EF17D-BD13-D4FA-7940-9428440A3803}"/>
               </a:ext>
             </a:extLst>
           </p:cNvPr>
@@ -840,7 +840,7 @@
           <p:cNvPr id="4" name="日期占位符 3">
             <a:extLst>
               <a:ext uri="{FF2B5EF4-FFF2-40B4-BE49-F238E27FC236}">
-                <a16:creationId xmlns:a16="http://schemas.microsoft.com/office/drawing/2014/main" id="{0A304570-F2B2-EE39-015F-700639E5F2DF}"/>
+                <a16:creationId xmlns:a16="http://schemas.microsoft.com/office/drawing/2014/main" id="{64BE0FD4-2017-6AA8-4246-6ED5CA27B8DA}"/>
               </a:ext>
             </a:extLst>
           </p:cNvPr>
@@ -856,7 +856,7 @@
           <a:bodyPr/>
           <a:lstStyle/>
           <a:p>
-            <a:fld id="{37AD2360-8E52-4987-A175-ABE0CD98C59B}" type="datetimeFigureOut">
+            <a:fld id="{AF1DCAB0-177C-43E6-A881-26C61EA09E91}" type="datetimeFigureOut">
               <a:rPr lang="zh-CN" altLang="en-US" smtClean="0"/>
               <a:t>2024/3/10</a:t>
             </a:fld>
@@ -869,7 +869,7 @@
           <p:cNvPr id="5" name="页脚占位符 4">
             <a:extLst>
               <a:ext uri="{FF2B5EF4-FFF2-40B4-BE49-F238E27FC236}">
-                <a16:creationId xmlns:a16="http://schemas.microsoft.com/office/drawing/2014/main" id="{70C5BD46-5856-65B7-5EFD-00B71270EFFF}"/>
+                <a16:creationId xmlns:a16="http://schemas.microsoft.com/office/drawing/2014/main" id="{75237935-86AE-27CF-BCC2-CF95DB2BFC0B}"/>
               </a:ext>
             </a:extLst>
           </p:cNvPr>
@@ -894,7 +894,7 @@
           <p:cNvPr id="6" name="灯片编号占位符 5">
             <a:extLst>
               <a:ext uri="{FF2B5EF4-FFF2-40B4-BE49-F238E27FC236}">
-                <a16:creationId xmlns:a16="http://schemas.microsoft.com/office/drawing/2014/main" id="{B7D84DA7-0350-BA00-CB05-3C80D8C3DACC}"/>
+                <a16:creationId xmlns:a16="http://schemas.microsoft.com/office/drawing/2014/main" id="{3EC86851-F76E-4BDE-13D0-D1B5B8A2FD2F}"/>
               </a:ext>
             </a:extLst>
           </p:cNvPr>
@@ -910,7 +910,7 @@
           <a:bodyPr/>
           <a:lstStyle/>
           <a:p>
-            <a:fld id="{E951856E-1055-46EA-89CA-691CFB15E604}" type="slidenum">
+            <a:fld id="{06E818A9-FFB2-4EA9-8A4E-6DC1AA9570E5}" type="slidenum">
               <a:rPr lang="zh-CN" altLang="en-US" smtClean="0"/>
               <a:t>‹#›</a:t>
             </a:fld>
@@ -921,7 +921,7 @@
     </p:spTree>
     <p:extLst>
       <p:ext uri="{BB962C8B-B14F-4D97-AF65-F5344CB8AC3E}">
-        <p14:creationId xmlns:p14="http://schemas.microsoft.com/office/powerpoint/2010/main" val="2462727307"/>
+        <p14:creationId xmlns:p14="http://schemas.microsoft.com/office/powerpoint/2010/main" val="312658261"/>
       </p:ext>
     </p:extLst>
   </p:cSld>
@@ -953,7 +953,7 @@
           <p:cNvPr id="2" name="标题 1">
             <a:extLst>
               <a:ext uri="{FF2B5EF4-FFF2-40B4-BE49-F238E27FC236}">
-                <a16:creationId xmlns:a16="http://schemas.microsoft.com/office/drawing/2014/main" id="{C8C9A528-7709-6C1F-7528-B8CB2039E850}"/>
+                <a16:creationId xmlns:a16="http://schemas.microsoft.com/office/drawing/2014/main" id="{1490539A-6D09-52AB-48E8-0544778F9141}"/>
               </a:ext>
             </a:extLst>
           </p:cNvPr>
@@ -990,7 +990,7 @@
           <p:cNvPr id="3" name="文本占位符 2">
             <a:extLst>
               <a:ext uri="{FF2B5EF4-FFF2-40B4-BE49-F238E27FC236}">
-                <a16:creationId xmlns:a16="http://schemas.microsoft.com/office/drawing/2014/main" id="{0716D224-3445-1E55-4CE0-B2D2E063FB3B}"/>
+                <a16:creationId xmlns:a16="http://schemas.microsoft.com/office/drawing/2014/main" id="{700F7F6C-BC06-CC40-D709-3D378FA2ECE1}"/>
               </a:ext>
             </a:extLst>
           </p:cNvPr>
@@ -1115,7 +1115,7 @@
           <p:cNvPr id="4" name="日期占位符 3">
             <a:extLst>
               <a:ext uri="{FF2B5EF4-FFF2-40B4-BE49-F238E27FC236}">
-                <a16:creationId xmlns:a16="http://schemas.microsoft.com/office/drawing/2014/main" id="{3DD3B973-7A99-DE98-D158-A13E39520640}"/>
+                <a16:creationId xmlns:a16="http://schemas.microsoft.com/office/drawing/2014/main" id="{3B027DED-A51F-0968-76FF-09EC9B57FEDD}"/>
               </a:ext>
             </a:extLst>
           </p:cNvPr>
@@ -1131,7 +1131,7 @@
           <a:bodyPr/>
           <a:lstStyle/>
           <a:p>
-            <a:fld id="{37AD2360-8E52-4987-A175-ABE0CD98C59B}" type="datetimeFigureOut">
+            <a:fld id="{AF1DCAB0-177C-43E6-A881-26C61EA09E91}" type="datetimeFigureOut">
               <a:rPr lang="zh-CN" altLang="en-US" smtClean="0"/>
               <a:t>2024/3/10</a:t>
             </a:fld>
@@ -1144,7 +1144,7 @@
           <p:cNvPr id="5" name="页脚占位符 4">
             <a:extLst>
               <a:ext uri="{FF2B5EF4-FFF2-40B4-BE49-F238E27FC236}">
-                <a16:creationId xmlns:a16="http://schemas.microsoft.com/office/drawing/2014/main" id="{852921A1-2401-720D-6EB1-B43FF7EB547D}"/>
+                <a16:creationId xmlns:a16="http://schemas.microsoft.com/office/drawing/2014/main" id="{6A7ACE25-E3F5-F8B4-DA37-A7A897DE9E22}"/>
               </a:ext>
             </a:extLst>
           </p:cNvPr>
@@ -1169,7 +1169,7 @@
           <p:cNvPr id="6" name="灯片编号占位符 5">
             <a:extLst>
               <a:ext uri="{FF2B5EF4-FFF2-40B4-BE49-F238E27FC236}">
-                <a16:creationId xmlns:a16="http://schemas.microsoft.com/office/drawing/2014/main" id="{5E65E5CB-1DD2-1DAB-AB68-DE56FDEEEB92}"/>
+                <a16:creationId xmlns:a16="http://schemas.microsoft.com/office/drawing/2014/main" id="{A50CC566-D595-0185-76AD-C260C6F0FBB3}"/>
               </a:ext>
             </a:extLst>
           </p:cNvPr>
@@ -1185,7 +1185,7 @@
           <a:bodyPr/>
           <a:lstStyle/>
           <a:p>
-            <a:fld id="{E951856E-1055-46EA-89CA-691CFB15E604}" type="slidenum">
+            <a:fld id="{06E818A9-FFB2-4EA9-8A4E-6DC1AA9570E5}" type="slidenum">
               <a:rPr lang="zh-CN" altLang="en-US" smtClean="0"/>
               <a:t>‹#›</a:t>
             </a:fld>
@@ -1196,7 +1196,7 @@
     </p:spTree>
     <p:extLst>
       <p:ext uri="{BB962C8B-B14F-4D97-AF65-F5344CB8AC3E}">
-        <p14:creationId xmlns:p14="http://schemas.microsoft.com/office/powerpoint/2010/main" val="1169437695"/>
+        <p14:creationId xmlns:p14="http://schemas.microsoft.com/office/powerpoint/2010/main" val="2810195757"/>
       </p:ext>
     </p:extLst>
   </p:cSld>
@@ -1228,7 +1228,7 @@
           <p:cNvPr id="2" name="标题 1">
             <a:extLst>
               <a:ext uri="{FF2B5EF4-FFF2-40B4-BE49-F238E27FC236}">
-                <a16:creationId xmlns:a16="http://schemas.microsoft.com/office/drawing/2014/main" id="{1BB6BC16-9FCE-6D72-C085-9505F77A0296}"/>
+                <a16:creationId xmlns:a16="http://schemas.microsoft.com/office/drawing/2014/main" id="{38DF250A-A447-C255-E8A5-BCC37ADCD195}"/>
               </a:ext>
             </a:extLst>
           </p:cNvPr>
@@ -1256,7 +1256,7 @@
           <p:cNvPr id="3" name="内容占位符 2">
             <a:extLst>
               <a:ext uri="{FF2B5EF4-FFF2-40B4-BE49-F238E27FC236}">
-                <a16:creationId xmlns:a16="http://schemas.microsoft.com/office/drawing/2014/main" id="{378B1C3C-1293-3DA8-75DB-B4396A3E3A17}"/>
+                <a16:creationId xmlns:a16="http://schemas.microsoft.com/office/drawing/2014/main" id="{01A743A5-8D74-3BB7-0B45-934051A981C7}"/>
               </a:ext>
             </a:extLst>
           </p:cNvPr>
@@ -1318,7 +1318,7 @@
           <p:cNvPr id="4" name="内容占位符 3">
             <a:extLst>
               <a:ext uri="{FF2B5EF4-FFF2-40B4-BE49-F238E27FC236}">
-                <a16:creationId xmlns:a16="http://schemas.microsoft.com/office/drawing/2014/main" id="{5CD39B01-0863-0531-5097-CA87C1680AF9}"/>
+                <a16:creationId xmlns:a16="http://schemas.microsoft.com/office/drawing/2014/main" id="{3407F636-0582-7273-D455-CDB74AF362A0}"/>
               </a:ext>
             </a:extLst>
           </p:cNvPr>
@@ -1380,7 +1380,7 @@
           <p:cNvPr id="5" name="日期占位符 4">
             <a:extLst>
               <a:ext uri="{FF2B5EF4-FFF2-40B4-BE49-F238E27FC236}">
-                <a16:creationId xmlns:a16="http://schemas.microsoft.com/office/drawing/2014/main" id="{A6559283-723D-CE51-2C9F-DF9E26B5D129}"/>
+                <a16:creationId xmlns:a16="http://schemas.microsoft.com/office/drawing/2014/main" id="{3A9DCDC8-444E-F265-61A7-A6E21543580A}"/>
               </a:ext>
             </a:extLst>
           </p:cNvPr>
@@ -1396,7 +1396,7 @@
           <a:bodyPr/>
           <a:lstStyle/>
           <a:p>
-            <a:fld id="{37AD2360-8E52-4987-A175-ABE0CD98C59B}" type="datetimeFigureOut">
+            <a:fld id="{AF1DCAB0-177C-43E6-A881-26C61EA09E91}" type="datetimeFigureOut">
               <a:rPr lang="zh-CN" altLang="en-US" smtClean="0"/>
               <a:t>2024/3/10</a:t>
             </a:fld>
@@ -1409,7 +1409,7 @@
           <p:cNvPr id="6" name="页脚占位符 5">
             <a:extLst>
               <a:ext uri="{FF2B5EF4-FFF2-40B4-BE49-F238E27FC236}">
-                <a16:creationId xmlns:a16="http://schemas.microsoft.com/office/drawing/2014/main" id="{D94C710C-9C6B-7F79-DAE4-F0BE49A0FB4D}"/>
+                <a16:creationId xmlns:a16="http://schemas.microsoft.com/office/drawing/2014/main" id="{7F1EA16F-F193-5800-FAB2-5998B7EC1287}"/>
               </a:ext>
             </a:extLst>
           </p:cNvPr>
@@ -1434,7 +1434,7 @@
           <p:cNvPr id="7" name="灯片编号占位符 6">
             <a:extLst>
               <a:ext uri="{FF2B5EF4-FFF2-40B4-BE49-F238E27FC236}">
-                <a16:creationId xmlns:a16="http://schemas.microsoft.com/office/drawing/2014/main" id="{6799EBA9-CC25-EC5E-BA74-AA007233F6EA}"/>
+                <a16:creationId xmlns:a16="http://schemas.microsoft.com/office/drawing/2014/main" id="{16F53BD2-FF75-F7D2-75DD-1D3633589B49}"/>
               </a:ext>
             </a:extLst>
           </p:cNvPr>
@@ -1450,7 +1450,7 @@
           <a:bodyPr/>
           <a:lstStyle/>
           <a:p>
-            <a:fld id="{E951856E-1055-46EA-89CA-691CFB15E604}" type="slidenum">
+            <a:fld id="{06E818A9-FFB2-4EA9-8A4E-6DC1AA9570E5}" type="slidenum">
               <a:rPr lang="zh-CN" altLang="en-US" smtClean="0"/>
               <a:t>‹#›</a:t>
             </a:fld>
@@ -1461,7 +1461,7 @@
     </p:spTree>
     <p:extLst>
       <p:ext uri="{BB962C8B-B14F-4D97-AF65-F5344CB8AC3E}">
-        <p14:creationId xmlns:p14="http://schemas.microsoft.com/office/powerpoint/2010/main" val="3263611826"/>
+        <p14:creationId xmlns:p14="http://schemas.microsoft.com/office/powerpoint/2010/main" val="2733072408"/>
       </p:ext>
     </p:extLst>
   </p:cSld>
@@ -1493,7 +1493,7 @@
           <p:cNvPr id="2" name="标题 1">
             <a:extLst>
               <a:ext uri="{FF2B5EF4-FFF2-40B4-BE49-F238E27FC236}">
-                <a16:creationId xmlns:a16="http://schemas.microsoft.com/office/drawing/2014/main" id="{79645F0B-0A4A-8251-01B3-862B55E4E9FA}"/>
+                <a16:creationId xmlns:a16="http://schemas.microsoft.com/office/drawing/2014/main" id="{085B1964-023D-FEA7-8AD6-1A0D9BAAAFCB}"/>
               </a:ext>
             </a:extLst>
           </p:cNvPr>
@@ -1526,7 +1526,7 @@
           <p:cNvPr id="3" name="文本占位符 2">
             <a:extLst>
               <a:ext uri="{FF2B5EF4-FFF2-40B4-BE49-F238E27FC236}">
-                <a16:creationId xmlns:a16="http://schemas.microsoft.com/office/drawing/2014/main" id="{DBF1BEFD-B883-5E75-37D4-DEC409CE72F6}"/>
+                <a16:creationId xmlns:a16="http://schemas.microsoft.com/office/drawing/2014/main" id="{A8C30BF1-9A38-F717-854E-00A9999183EC}"/>
               </a:ext>
             </a:extLst>
           </p:cNvPr>
@@ -1597,7 +1597,7 @@
           <p:cNvPr id="4" name="内容占位符 3">
             <a:extLst>
               <a:ext uri="{FF2B5EF4-FFF2-40B4-BE49-F238E27FC236}">
-                <a16:creationId xmlns:a16="http://schemas.microsoft.com/office/drawing/2014/main" id="{9EF67B9A-8F76-D1BF-30DE-AC1FD5D82A85}"/>
+                <a16:creationId xmlns:a16="http://schemas.microsoft.com/office/drawing/2014/main" id="{9532337A-D0BE-4AAF-0E64-A3FC160C7A8D}"/>
               </a:ext>
             </a:extLst>
           </p:cNvPr>
@@ -1659,7 +1659,7 @@
           <p:cNvPr id="5" name="文本占位符 4">
             <a:extLst>
               <a:ext uri="{FF2B5EF4-FFF2-40B4-BE49-F238E27FC236}">
-                <a16:creationId xmlns:a16="http://schemas.microsoft.com/office/drawing/2014/main" id="{A9B5B40D-6120-D0D0-B82B-38011EFF40D8}"/>
+                <a16:creationId xmlns:a16="http://schemas.microsoft.com/office/drawing/2014/main" id="{5C8A5B59-CD2E-7CD3-041D-3B72434F8393}"/>
               </a:ext>
             </a:extLst>
           </p:cNvPr>
@@ -1730,7 +1730,7 @@
           <p:cNvPr id="6" name="内容占位符 5">
             <a:extLst>
               <a:ext uri="{FF2B5EF4-FFF2-40B4-BE49-F238E27FC236}">
-                <a16:creationId xmlns:a16="http://schemas.microsoft.com/office/drawing/2014/main" id="{AB474A7C-B9C0-8681-B5EE-A837522A52E3}"/>
+                <a16:creationId xmlns:a16="http://schemas.microsoft.com/office/drawing/2014/main" id="{D5C1D662-C48B-AD55-7A32-06FBCE67E197}"/>
               </a:ext>
             </a:extLst>
           </p:cNvPr>
@@ -1792,7 +1792,7 @@
           <p:cNvPr id="7" name="日期占位符 6">
             <a:extLst>
               <a:ext uri="{FF2B5EF4-FFF2-40B4-BE49-F238E27FC236}">
-                <a16:creationId xmlns:a16="http://schemas.microsoft.com/office/drawing/2014/main" id="{0D537AC7-73C4-7F5B-97FF-861A6F7DDB30}"/>
+                <a16:creationId xmlns:a16="http://schemas.microsoft.com/office/drawing/2014/main" id="{0C21E6CC-A4F3-48B1-82F0-FD8ADACDA1EF}"/>
               </a:ext>
             </a:extLst>
           </p:cNvPr>
@@ -1808,7 +1808,7 @@
           <a:bodyPr/>
           <a:lstStyle/>
           <a:p>
-            <a:fld id="{37AD2360-8E52-4987-A175-ABE0CD98C59B}" type="datetimeFigureOut">
+            <a:fld id="{AF1DCAB0-177C-43E6-A881-26C61EA09E91}" type="datetimeFigureOut">
               <a:rPr lang="zh-CN" altLang="en-US" smtClean="0"/>
               <a:t>2024/3/10</a:t>
             </a:fld>
@@ -1821,7 +1821,7 @@
           <p:cNvPr id="8" name="页脚占位符 7">
             <a:extLst>
               <a:ext uri="{FF2B5EF4-FFF2-40B4-BE49-F238E27FC236}">
-                <a16:creationId xmlns:a16="http://schemas.microsoft.com/office/drawing/2014/main" id="{7CF29851-6CFE-621B-8067-458D25F47A76}"/>
+                <a16:creationId xmlns:a16="http://schemas.microsoft.com/office/drawing/2014/main" id="{40679DC3-B024-26CE-5577-ECB38E936EEE}"/>
               </a:ext>
             </a:extLst>
           </p:cNvPr>
@@ -1846,7 +1846,7 @@
           <p:cNvPr id="9" name="灯片编号占位符 8">
             <a:extLst>
               <a:ext uri="{FF2B5EF4-FFF2-40B4-BE49-F238E27FC236}">
-                <a16:creationId xmlns:a16="http://schemas.microsoft.com/office/drawing/2014/main" id="{A2F3AFAB-0AA0-8DBF-1B76-E25252D3F09E}"/>
+                <a16:creationId xmlns:a16="http://schemas.microsoft.com/office/drawing/2014/main" id="{82111307-419F-F5C0-2768-D45333AEE5C1}"/>
               </a:ext>
             </a:extLst>
           </p:cNvPr>
@@ -1862,7 +1862,7 @@
           <a:bodyPr/>
           <a:lstStyle/>
           <a:p>
-            <a:fld id="{E951856E-1055-46EA-89CA-691CFB15E604}" type="slidenum">
+            <a:fld id="{06E818A9-FFB2-4EA9-8A4E-6DC1AA9570E5}" type="slidenum">
               <a:rPr lang="zh-CN" altLang="en-US" smtClean="0"/>
               <a:t>‹#›</a:t>
             </a:fld>
@@ -1873,7 +1873,7 @@
     </p:spTree>
     <p:extLst>
       <p:ext uri="{BB962C8B-B14F-4D97-AF65-F5344CB8AC3E}">
-        <p14:creationId xmlns:p14="http://schemas.microsoft.com/office/powerpoint/2010/main" val="3869857549"/>
+        <p14:creationId xmlns:p14="http://schemas.microsoft.com/office/powerpoint/2010/main" val="1779787093"/>
       </p:ext>
     </p:extLst>
   </p:cSld>
@@ -1905,7 +1905,7 @@
           <p:cNvPr id="2" name="标题 1">
             <a:extLst>
               <a:ext uri="{FF2B5EF4-FFF2-40B4-BE49-F238E27FC236}">
-                <a16:creationId xmlns:a16="http://schemas.microsoft.com/office/drawing/2014/main" id="{93B16ED2-94C5-AB33-16CF-2EFA97180658}"/>
+                <a16:creationId xmlns:a16="http://schemas.microsoft.com/office/drawing/2014/main" id="{7EE3FF73-888C-CBD6-4BEB-5DF8A7AEFE08}"/>
               </a:ext>
             </a:extLst>
           </p:cNvPr>
@@ -1933,7 +1933,7 @@
           <p:cNvPr id="3" name="日期占位符 2">
             <a:extLst>
               <a:ext uri="{FF2B5EF4-FFF2-40B4-BE49-F238E27FC236}">
-                <a16:creationId xmlns:a16="http://schemas.microsoft.com/office/drawing/2014/main" id="{87B9F081-08F3-3376-BD7B-1C9CED9287D1}"/>
+                <a16:creationId xmlns:a16="http://schemas.microsoft.com/office/drawing/2014/main" id="{6561AB52-C6CF-0D65-B5E4-11B034AD26D5}"/>
               </a:ext>
             </a:extLst>
           </p:cNvPr>
@@ -1949,7 +1949,7 @@
           <a:bodyPr/>
           <a:lstStyle/>
           <a:p>
-            <a:fld id="{37AD2360-8E52-4987-A175-ABE0CD98C59B}" type="datetimeFigureOut">
+            <a:fld id="{AF1DCAB0-177C-43E6-A881-26C61EA09E91}" type="datetimeFigureOut">
               <a:rPr lang="zh-CN" altLang="en-US" smtClean="0"/>
               <a:t>2024/3/10</a:t>
             </a:fld>
@@ -1962,7 +1962,7 @@
           <p:cNvPr id="4" name="页脚占位符 3">
             <a:extLst>
               <a:ext uri="{FF2B5EF4-FFF2-40B4-BE49-F238E27FC236}">
-                <a16:creationId xmlns:a16="http://schemas.microsoft.com/office/drawing/2014/main" id="{F39EA4F1-D6BA-0455-45E7-47D61C00BE06}"/>
+                <a16:creationId xmlns:a16="http://schemas.microsoft.com/office/drawing/2014/main" id="{C04E872B-9F4F-3BC3-5A62-BEF0C6642B69}"/>
               </a:ext>
             </a:extLst>
           </p:cNvPr>
@@ -1987,7 +1987,7 @@
           <p:cNvPr id="5" name="灯片编号占位符 4">
             <a:extLst>
               <a:ext uri="{FF2B5EF4-FFF2-40B4-BE49-F238E27FC236}">
-                <a16:creationId xmlns:a16="http://schemas.microsoft.com/office/drawing/2014/main" id="{6ADE073E-2F5C-0748-82E1-ECA904F0634B}"/>
+                <a16:creationId xmlns:a16="http://schemas.microsoft.com/office/drawing/2014/main" id="{BAE390F1-3DC1-A5FC-866F-9AE4E99992D2}"/>
               </a:ext>
             </a:extLst>
           </p:cNvPr>
@@ -2003,7 +2003,7 @@
           <a:bodyPr/>
           <a:lstStyle/>
           <a:p>
-            <a:fld id="{E951856E-1055-46EA-89CA-691CFB15E604}" type="slidenum">
+            <a:fld id="{06E818A9-FFB2-4EA9-8A4E-6DC1AA9570E5}" type="slidenum">
               <a:rPr lang="zh-CN" altLang="en-US" smtClean="0"/>
               <a:t>‹#›</a:t>
             </a:fld>
@@ -2014,7 +2014,7 @@
     </p:spTree>
     <p:extLst>
       <p:ext uri="{BB962C8B-B14F-4D97-AF65-F5344CB8AC3E}">
-        <p14:creationId xmlns:p14="http://schemas.microsoft.com/office/powerpoint/2010/main" val="2489167445"/>
+        <p14:creationId xmlns:p14="http://schemas.microsoft.com/office/powerpoint/2010/main" val="2603468487"/>
       </p:ext>
     </p:extLst>
   </p:cSld>
@@ -2046,7 +2046,7 @@
           <p:cNvPr id="2" name="日期占位符 1">
             <a:extLst>
               <a:ext uri="{FF2B5EF4-FFF2-40B4-BE49-F238E27FC236}">
-                <a16:creationId xmlns:a16="http://schemas.microsoft.com/office/drawing/2014/main" id="{7CEA0E1D-BB1C-25A2-7686-A4F952DE1743}"/>
+                <a16:creationId xmlns:a16="http://schemas.microsoft.com/office/drawing/2014/main" id="{4441D806-6CFC-7833-24A3-68E641E49B1A}"/>
               </a:ext>
             </a:extLst>
           </p:cNvPr>
@@ -2062,7 +2062,7 @@
           <a:bodyPr/>
           <a:lstStyle/>
           <a:p>
-            <a:fld id="{37AD2360-8E52-4987-A175-ABE0CD98C59B}" type="datetimeFigureOut">
+            <a:fld id="{AF1DCAB0-177C-43E6-A881-26C61EA09E91}" type="datetimeFigureOut">
               <a:rPr lang="zh-CN" altLang="en-US" smtClean="0"/>
               <a:t>2024/3/10</a:t>
             </a:fld>
@@ -2075,7 +2075,7 @@
           <p:cNvPr id="3" name="页脚占位符 2">
             <a:extLst>
               <a:ext uri="{FF2B5EF4-FFF2-40B4-BE49-F238E27FC236}">
-                <a16:creationId xmlns:a16="http://schemas.microsoft.com/office/drawing/2014/main" id="{E63CD2CF-CFA8-763A-8B57-9029955AA5CE}"/>
+                <a16:creationId xmlns:a16="http://schemas.microsoft.com/office/drawing/2014/main" id="{192E23BC-587E-3E6B-639D-DFF555A25633}"/>
               </a:ext>
             </a:extLst>
           </p:cNvPr>
@@ -2100,7 +2100,7 @@
           <p:cNvPr id="4" name="灯片编号占位符 3">
             <a:extLst>
               <a:ext uri="{FF2B5EF4-FFF2-40B4-BE49-F238E27FC236}">
-                <a16:creationId xmlns:a16="http://schemas.microsoft.com/office/drawing/2014/main" id="{CEFD4602-58AB-B2DB-7307-64B16348979B}"/>
+                <a16:creationId xmlns:a16="http://schemas.microsoft.com/office/drawing/2014/main" id="{9601C4C6-7B30-DF21-AB77-F77BA3CCED69}"/>
               </a:ext>
             </a:extLst>
           </p:cNvPr>
@@ -2116,7 +2116,7 @@
           <a:bodyPr/>
           <a:lstStyle/>
           <a:p>
-            <a:fld id="{E951856E-1055-46EA-89CA-691CFB15E604}" type="slidenum">
+            <a:fld id="{06E818A9-FFB2-4EA9-8A4E-6DC1AA9570E5}" type="slidenum">
               <a:rPr lang="zh-CN" altLang="en-US" smtClean="0"/>
               <a:t>‹#›</a:t>
             </a:fld>
@@ -2127,7 +2127,7 @@
     </p:spTree>
     <p:extLst>
       <p:ext uri="{BB962C8B-B14F-4D97-AF65-F5344CB8AC3E}">
-        <p14:creationId xmlns:p14="http://schemas.microsoft.com/office/powerpoint/2010/main" val="4088487858"/>
+        <p14:creationId xmlns:p14="http://schemas.microsoft.com/office/powerpoint/2010/main" val="1456900566"/>
       </p:ext>
     </p:extLst>
   </p:cSld>
@@ -2159,7 +2159,7 @@
           <p:cNvPr id="2" name="标题 1">
             <a:extLst>
               <a:ext uri="{FF2B5EF4-FFF2-40B4-BE49-F238E27FC236}">
-                <a16:creationId xmlns:a16="http://schemas.microsoft.com/office/drawing/2014/main" id="{1EBB0CE9-D6EF-0B9D-760E-EF0C30FFC002}"/>
+                <a16:creationId xmlns:a16="http://schemas.microsoft.com/office/drawing/2014/main" id="{4835AE2F-F983-4D7A-FCE0-970132D243F9}"/>
               </a:ext>
             </a:extLst>
           </p:cNvPr>
@@ -2196,7 +2196,7 @@
           <p:cNvPr id="3" name="内容占位符 2">
             <a:extLst>
               <a:ext uri="{FF2B5EF4-FFF2-40B4-BE49-F238E27FC236}">
-                <a16:creationId xmlns:a16="http://schemas.microsoft.com/office/drawing/2014/main" id="{D6CD4033-FD4B-67E5-C934-0A445D3D7C65}"/>
+                <a16:creationId xmlns:a16="http://schemas.microsoft.com/office/drawing/2014/main" id="{3288008F-6CDC-DF21-FF73-1337A32B215D}"/>
               </a:ext>
             </a:extLst>
           </p:cNvPr>
@@ -2286,7 +2286,7 @@
           <p:cNvPr id="4" name="文本占位符 3">
             <a:extLst>
               <a:ext uri="{FF2B5EF4-FFF2-40B4-BE49-F238E27FC236}">
-                <a16:creationId xmlns:a16="http://schemas.microsoft.com/office/drawing/2014/main" id="{1DAE184C-04A4-A730-30F4-C0E59627AC2D}"/>
+                <a16:creationId xmlns:a16="http://schemas.microsoft.com/office/drawing/2014/main" id="{77C32D89-AE10-B8ED-F86D-D4A20AEC8766}"/>
               </a:ext>
             </a:extLst>
           </p:cNvPr>
@@ -2357,7 +2357,7 @@
           <p:cNvPr id="5" name="日期占位符 4">
             <a:extLst>
               <a:ext uri="{FF2B5EF4-FFF2-40B4-BE49-F238E27FC236}">
-                <a16:creationId xmlns:a16="http://schemas.microsoft.com/office/drawing/2014/main" id="{1ECFA4F2-1DA7-B12A-5A5C-2AB98C8B7D7C}"/>
+                <a16:creationId xmlns:a16="http://schemas.microsoft.com/office/drawing/2014/main" id="{FE9C782F-DC1A-674A-14FE-94FF307293C7}"/>
               </a:ext>
             </a:extLst>
           </p:cNvPr>
@@ -2373,7 +2373,7 @@
           <a:bodyPr/>
           <a:lstStyle/>
           <a:p>
-            <a:fld id="{37AD2360-8E52-4987-A175-ABE0CD98C59B}" type="datetimeFigureOut">
+            <a:fld id="{AF1DCAB0-177C-43E6-A881-26C61EA09E91}" type="datetimeFigureOut">
               <a:rPr lang="zh-CN" altLang="en-US" smtClean="0"/>
               <a:t>2024/3/10</a:t>
             </a:fld>
@@ -2386,7 +2386,7 @@
           <p:cNvPr id="6" name="页脚占位符 5">
             <a:extLst>
               <a:ext uri="{FF2B5EF4-FFF2-40B4-BE49-F238E27FC236}">
-                <a16:creationId xmlns:a16="http://schemas.microsoft.com/office/drawing/2014/main" id="{367BAA4A-CE18-5646-BDBC-F6E4261A961B}"/>
+                <a16:creationId xmlns:a16="http://schemas.microsoft.com/office/drawing/2014/main" id="{A87F9CA6-9708-D737-4599-6861452584D8}"/>
               </a:ext>
             </a:extLst>
           </p:cNvPr>
@@ -2411,7 +2411,7 @@
           <p:cNvPr id="7" name="灯片编号占位符 6">
             <a:extLst>
               <a:ext uri="{FF2B5EF4-FFF2-40B4-BE49-F238E27FC236}">
-                <a16:creationId xmlns:a16="http://schemas.microsoft.com/office/drawing/2014/main" id="{43660A3F-7874-54A4-A617-332660BE5091}"/>
+                <a16:creationId xmlns:a16="http://schemas.microsoft.com/office/drawing/2014/main" id="{6BD4297F-227C-E376-AB67-FBE671474A9E}"/>
               </a:ext>
             </a:extLst>
           </p:cNvPr>
@@ -2427,7 +2427,7 @@
           <a:bodyPr/>
           <a:lstStyle/>
           <a:p>
-            <a:fld id="{E951856E-1055-46EA-89CA-691CFB15E604}" type="slidenum">
+            <a:fld id="{06E818A9-FFB2-4EA9-8A4E-6DC1AA9570E5}" type="slidenum">
               <a:rPr lang="zh-CN" altLang="en-US" smtClean="0"/>
               <a:t>‹#›</a:t>
             </a:fld>
@@ -2438,7 +2438,7 @@
     </p:spTree>
     <p:extLst>
       <p:ext uri="{BB962C8B-B14F-4D97-AF65-F5344CB8AC3E}">
-        <p14:creationId xmlns:p14="http://schemas.microsoft.com/office/powerpoint/2010/main" val="2549638679"/>
+        <p14:creationId xmlns:p14="http://schemas.microsoft.com/office/powerpoint/2010/main" val="752373674"/>
       </p:ext>
     </p:extLst>
   </p:cSld>
@@ -2470,7 +2470,7 @@
           <p:cNvPr id="2" name="标题 1">
             <a:extLst>
               <a:ext uri="{FF2B5EF4-FFF2-40B4-BE49-F238E27FC236}">
-                <a16:creationId xmlns:a16="http://schemas.microsoft.com/office/drawing/2014/main" id="{0CF9C0E8-BB9E-7808-113E-65527A6BD6D4}"/>
+                <a16:creationId xmlns:a16="http://schemas.microsoft.com/office/drawing/2014/main" id="{FEF9CC26-776B-3CC6-B899-873C449B78CE}"/>
               </a:ext>
             </a:extLst>
           </p:cNvPr>
@@ -2507,7 +2507,7 @@
           <p:cNvPr id="3" name="图片占位符 2">
             <a:extLst>
               <a:ext uri="{FF2B5EF4-FFF2-40B4-BE49-F238E27FC236}">
-                <a16:creationId xmlns:a16="http://schemas.microsoft.com/office/drawing/2014/main" id="{93E28A66-8011-965B-CB1B-DD8F308E95B9}"/>
+                <a16:creationId xmlns:a16="http://schemas.microsoft.com/office/drawing/2014/main" id="{EC917169-59D5-58A6-34D0-AF521BF87C48}"/>
               </a:ext>
             </a:extLst>
           </p:cNvPr>
@@ -2574,7 +2574,7 @@
           <p:cNvPr id="4" name="文本占位符 3">
             <a:extLst>
               <a:ext uri="{FF2B5EF4-FFF2-40B4-BE49-F238E27FC236}">
-                <a16:creationId xmlns:a16="http://schemas.microsoft.com/office/drawing/2014/main" id="{49326FC4-7D35-9326-A68C-9DE407B1AD71}"/>
+                <a16:creationId xmlns:a16="http://schemas.microsoft.com/office/drawing/2014/main" id="{43A97D99-155D-3640-722D-4BF067611C9F}"/>
               </a:ext>
             </a:extLst>
           </p:cNvPr>
@@ -2645,7 +2645,7 @@
           <p:cNvPr id="5" name="日期占位符 4">
             <a:extLst>
               <a:ext uri="{FF2B5EF4-FFF2-40B4-BE49-F238E27FC236}">
-                <a16:creationId xmlns:a16="http://schemas.microsoft.com/office/drawing/2014/main" id="{2A9A78CD-190C-E7E9-DB3C-E32019BB678B}"/>
+                <a16:creationId xmlns:a16="http://schemas.microsoft.com/office/drawing/2014/main" id="{10CDBD4D-ADCB-E8BD-3367-7B21F14B6722}"/>
               </a:ext>
             </a:extLst>
           </p:cNvPr>
@@ -2661,7 +2661,7 @@
           <a:bodyPr/>
           <a:lstStyle/>
           <a:p>
-            <a:fld id="{37AD2360-8E52-4987-A175-ABE0CD98C59B}" type="datetimeFigureOut">
+            <a:fld id="{AF1DCAB0-177C-43E6-A881-26C61EA09E91}" type="datetimeFigureOut">
               <a:rPr lang="zh-CN" altLang="en-US" smtClean="0"/>
               <a:t>2024/3/10</a:t>
             </a:fld>
@@ -2674,7 +2674,7 @@
           <p:cNvPr id="6" name="页脚占位符 5">
             <a:extLst>
               <a:ext uri="{FF2B5EF4-FFF2-40B4-BE49-F238E27FC236}">
-                <a16:creationId xmlns:a16="http://schemas.microsoft.com/office/drawing/2014/main" id="{10D5E186-DEBE-85B3-BEBB-C9F32C36EFC4}"/>
+                <a16:creationId xmlns:a16="http://schemas.microsoft.com/office/drawing/2014/main" id="{EE1A5953-7DA0-F563-9E49-AEA2D4C2A36D}"/>
               </a:ext>
             </a:extLst>
           </p:cNvPr>
@@ -2699,7 +2699,7 @@
           <p:cNvPr id="7" name="灯片编号占位符 6">
             <a:extLst>
               <a:ext uri="{FF2B5EF4-FFF2-40B4-BE49-F238E27FC236}">
-                <a16:creationId xmlns:a16="http://schemas.microsoft.com/office/drawing/2014/main" id="{75CDD3DC-56EB-0567-D8CF-D9CBAEB02290}"/>
+                <a16:creationId xmlns:a16="http://schemas.microsoft.com/office/drawing/2014/main" id="{A6FC2896-9773-925F-F9DB-6BE245ADEDF4}"/>
               </a:ext>
             </a:extLst>
           </p:cNvPr>
@@ -2715,7 +2715,7 @@
           <a:bodyPr/>
           <a:lstStyle/>
           <a:p>
-            <a:fld id="{E951856E-1055-46EA-89CA-691CFB15E604}" type="slidenum">
+            <a:fld id="{06E818A9-FFB2-4EA9-8A4E-6DC1AA9570E5}" type="slidenum">
               <a:rPr lang="zh-CN" altLang="en-US" smtClean="0"/>
               <a:t>‹#›</a:t>
             </a:fld>
@@ -2726,7 +2726,7 @@
     </p:spTree>
     <p:extLst>
       <p:ext uri="{BB962C8B-B14F-4D97-AF65-F5344CB8AC3E}">
-        <p14:creationId xmlns:p14="http://schemas.microsoft.com/office/powerpoint/2010/main" val="673891915"/>
+        <p14:creationId xmlns:p14="http://schemas.microsoft.com/office/powerpoint/2010/main" val="3575419953"/>
       </p:ext>
     </p:extLst>
   </p:cSld>
@@ -2763,7 +2763,7 @@
           <p:cNvPr id="2" name="标题占位符 1">
             <a:extLst>
               <a:ext uri="{FF2B5EF4-FFF2-40B4-BE49-F238E27FC236}">
-                <a16:creationId xmlns:a16="http://schemas.microsoft.com/office/drawing/2014/main" id="{01B4C60A-174C-FB20-07D6-5E23D2B50210}"/>
+                <a16:creationId xmlns:a16="http://schemas.microsoft.com/office/drawing/2014/main" id="{41A6B6EC-0556-E72E-467C-02798D2495B2}"/>
               </a:ext>
             </a:extLst>
           </p:cNvPr>
@@ -2801,7 +2801,7 @@
           <p:cNvPr id="3" name="文本占位符 2">
             <a:extLst>
               <a:ext uri="{FF2B5EF4-FFF2-40B4-BE49-F238E27FC236}">
-                <a16:creationId xmlns:a16="http://schemas.microsoft.com/office/drawing/2014/main" id="{CDB36D0A-852E-500D-FF65-389C6FEF9CFF}"/>
+                <a16:creationId xmlns:a16="http://schemas.microsoft.com/office/drawing/2014/main" id="{57BA4B1B-879E-6237-1FFB-03093B3F4CD1}"/>
               </a:ext>
             </a:extLst>
           </p:cNvPr>
@@ -2868,7 +2868,7 @@
           <p:cNvPr id="4" name="日期占位符 3">
             <a:extLst>
               <a:ext uri="{FF2B5EF4-FFF2-40B4-BE49-F238E27FC236}">
-                <a16:creationId xmlns:a16="http://schemas.microsoft.com/office/drawing/2014/main" id="{C4D39507-CB37-33CE-2388-546C22ACBAB1}"/>
+                <a16:creationId xmlns:a16="http://schemas.microsoft.com/office/drawing/2014/main" id="{D5980744-FB88-A4A5-B172-8A5D0D6D9C9D}"/>
               </a:ext>
             </a:extLst>
           </p:cNvPr>
@@ -2902,7 +2902,7 @@
             </a:lvl1pPr>
           </a:lstStyle>
           <a:p>
-            <a:fld id="{37AD2360-8E52-4987-A175-ABE0CD98C59B}" type="datetimeFigureOut">
+            <a:fld id="{AF1DCAB0-177C-43E6-A881-26C61EA09E91}" type="datetimeFigureOut">
               <a:rPr lang="zh-CN" altLang="en-US" smtClean="0"/>
               <a:t>2024/3/10</a:t>
             </a:fld>
@@ -2915,7 +2915,7 @@
           <p:cNvPr id="5" name="页脚占位符 4">
             <a:extLst>
               <a:ext uri="{FF2B5EF4-FFF2-40B4-BE49-F238E27FC236}">
-                <a16:creationId xmlns:a16="http://schemas.microsoft.com/office/drawing/2014/main" id="{1A26B325-22E9-74B2-4A5E-9A53A2D358F3}"/>
+                <a16:creationId xmlns:a16="http://schemas.microsoft.com/office/drawing/2014/main" id="{F4ACEEC5-0DDA-7A38-115F-FAF30763C36B}"/>
               </a:ext>
             </a:extLst>
           </p:cNvPr>
@@ -2958,7 +2958,7 @@
           <p:cNvPr id="6" name="灯片编号占位符 5">
             <a:extLst>
               <a:ext uri="{FF2B5EF4-FFF2-40B4-BE49-F238E27FC236}">
-                <a16:creationId xmlns:a16="http://schemas.microsoft.com/office/drawing/2014/main" id="{BEA3DE4C-65AD-0E68-8E80-77BBF6DADF39}"/>
+                <a16:creationId xmlns:a16="http://schemas.microsoft.com/office/drawing/2014/main" id="{DA1B1897-CEBE-A762-7FF1-827314156959}"/>
               </a:ext>
             </a:extLst>
           </p:cNvPr>
@@ -2992,7 +2992,7 @@
             </a:lvl1pPr>
           </a:lstStyle>
           <a:p>
-            <a:fld id="{E951856E-1055-46EA-89CA-691CFB15E604}" type="slidenum">
+            <a:fld id="{06E818A9-FFB2-4EA9-8A4E-6DC1AA9570E5}" type="slidenum">
               <a:rPr lang="zh-CN" altLang="en-US" smtClean="0"/>
               <a:t>‹#›</a:t>
             </a:fld>
@@ -3003,7 +3003,7 @@
     </p:spTree>
     <p:extLst>
       <p:ext uri="{BB962C8B-B14F-4D97-AF65-F5344CB8AC3E}">
-        <p14:creationId xmlns:p14="http://schemas.microsoft.com/office/powerpoint/2010/main" val="770231932"/>
+        <p14:creationId xmlns:p14="http://schemas.microsoft.com/office/powerpoint/2010/main" val="2774807550"/>
       </p:ext>
     </p:extLst>
   </p:cSld>
@@ -3323,7 +3323,7 @@
       </p:grpSpPr>
       <p:pic>
         <p:nvPicPr>
-          <p:cNvPr id="575490" name="Picture 2" descr="561"/>
+          <p:cNvPr id="576514" name="Picture 2" descr="562"/>
           <p:cNvPicPr>
             <a:picLocks noChangeAspect="1" noChangeArrowheads="1"/>
           </p:cNvPicPr>
@@ -3344,8 +3344,8 @@
         </p:blipFill>
         <p:spPr bwMode="auto">
           <a:xfrm>
-            <a:off x="1524000" y="1"/>
-            <a:ext cx="9144000" cy="4581525"/>
+            <a:off x="1524000" y="0"/>
+            <a:ext cx="9144000" cy="6858000"/>
           </a:xfrm>
           <a:prstGeom prst="rect">
             <a:avLst/>
